--- a/docs/Final Project VPetrunin Analysis of Yellow Taxi.pptx
+++ b/docs/Final Project VPetrunin Analysis of Yellow Taxi.pptx
@@ -23,25 +23,25 @@
   <p:notesSz cx="6858000" cy="9144000"/>
   <p:embeddedFontLst>
     <p:embeddedFont>
-      <p:font typeface="Open Sans" pitchFamily="34" charset="0"/>
+      <p:font typeface="Trebuchet MS" panose="020B0603020202020204" pitchFamily="34" charset="0"/>
       <p:regular r:id="rId13"/>
       <p:bold r:id="rId14"/>
       <p:italic r:id="rId15"/>
       <p:boldItalic r:id="rId16"/>
     </p:embeddedFont>
     <p:embeddedFont>
-      <p:font typeface="Wingdings 2" pitchFamily="18" charset="2"/>
+      <p:font typeface="Georgia" panose="02040502050405020303" pitchFamily="18" charset="0"/>
       <p:regular r:id="rId17"/>
+      <p:bold r:id="rId18"/>
+      <p:italic r:id="rId19"/>
+      <p:boldItalic r:id="rId20"/>
     </p:embeddedFont>
     <p:embeddedFont>
-      <p:font typeface="Trebuchet MS" pitchFamily="34" charset="0"/>
-      <p:regular r:id="rId18"/>
-      <p:bold r:id="rId19"/>
-      <p:italic r:id="rId20"/>
-      <p:boldItalic r:id="rId21"/>
+      <p:font typeface="Wingdings 2" panose="05020102010507070707" pitchFamily="18" charset="2"/>
+      <p:regular r:id="rId21"/>
     </p:embeddedFont>
     <p:embeddedFont>
-      <p:font typeface="Georgia" pitchFamily="18" charset="0"/>
+      <p:font typeface="Open Sans" panose="020B0604020202020204" charset="0"/>
       <p:regular r:id="rId22"/>
       <p:bold r:id="rId23"/>
       <p:italic r:id="rId24"/>
@@ -2440,7 +2440,7 @@
           <a:p>
             <a:fld id="{81F17337-3FE8-4407-8086-5C0D65328D1B}" type="datetimeFigureOut">
               <a:rPr lang="ru-RU" smtClean="0"/>
-              <a:t>26.12.2022</a:t>
+              <a:t>31.12.2022</a:t>
             </a:fld>
             <a:endParaRPr lang="ru-RU"/>
           </a:p>
@@ -2633,7 +2633,7 @@
           <a:p>
             <a:fld id="{81F17337-3FE8-4407-8086-5C0D65328D1B}" type="datetimeFigureOut">
               <a:rPr lang="ru-RU" smtClean="0"/>
-              <a:t>26.12.2022</a:t>
+              <a:t>31.12.2022</a:t>
             </a:fld>
             <a:endParaRPr lang="ru-RU"/>
           </a:p>
@@ -2818,7 +2818,7 @@
           <a:p>
             <a:fld id="{81F17337-3FE8-4407-8086-5C0D65328D1B}" type="datetimeFigureOut">
               <a:rPr lang="ru-RU" smtClean="0"/>
-              <a:t>26.12.2022</a:t>
+              <a:t>31.12.2022</a:t>
             </a:fld>
             <a:endParaRPr lang="ru-RU"/>
           </a:p>
@@ -3355,7 +3355,7 @@
           <a:p>
             <a:fld id="{81F17337-3FE8-4407-8086-5C0D65328D1B}" type="datetimeFigureOut">
               <a:rPr lang="ru-RU" smtClean="0"/>
-              <a:t>26.12.2022</a:t>
+              <a:t>31.12.2022</a:t>
             </a:fld>
             <a:endParaRPr lang="ru-RU"/>
           </a:p>
@@ -3586,7 +3586,7 @@
           <a:p>
             <a:fld id="{81F17337-3FE8-4407-8086-5C0D65328D1B}" type="datetimeFigureOut">
               <a:rPr lang="ru-RU" smtClean="0"/>
-              <a:t>26.12.2022</a:t>
+              <a:t>31.12.2022</a:t>
             </a:fld>
             <a:endParaRPr lang="ru-RU"/>
           </a:p>
@@ -3855,7 +3855,7 @@
           <a:p>
             <a:fld id="{81F17337-3FE8-4407-8086-5C0D65328D1B}" type="datetimeFigureOut">
               <a:rPr lang="ru-RU" smtClean="0"/>
-              <a:t>26.12.2022</a:t>
+              <a:t>31.12.2022</a:t>
             </a:fld>
             <a:endParaRPr lang="ru-RU"/>
           </a:p>
@@ -4269,7 +4269,7 @@
           <a:p>
             <a:fld id="{81F17337-3FE8-4407-8086-5C0D65328D1B}" type="datetimeFigureOut">
               <a:rPr lang="ru-RU" smtClean="0"/>
-              <a:t>26.12.2022</a:t>
+              <a:t>31.12.2022</a:t>
             </a:fld>
             <a:endParaRPr lang="ru-RU"/>
           </a:p>
@@ -4410,7 +4410,7 @@
           <a:p>
             <a:fld id="{81F17337-3FE8-4407-8086-5C0D65328D1B}" type="datetimeFigureOut">
               <a:rPr lang="ru-RU" smtClean="0"/>
-              <a:t>26.12.2022</a:t>
+              <a:t>31.12.2022</a:t>
             </a:fld>
             <a:endParaRPr lang="ru-RU"/>
           </a:p>
@@ -4520,7 +4520,7 @@
           <a:p>
             <a:fld id="{81F17337-3FE8-4407-8086-5C0D65328D1B}" type="datetimeFigureOut">
               <a:rPr lang="ru-RU" smtClean="0"/>
-              <a:t>26.12.2022</a:t>
+              <a:t>31.12.2022</a:t>
             </a:fld>
             <a:endParaRPr lang="ru-RU"/>
           </a:p>
@@ -4775,7 +4775,7 @@
           <a:p>
             <a:fld id="{81F17337-3FE8-4407-8086-5C0D65328D1B}" type="datetimeFigureOut">
               <a:rPr lang="ru-RU" smtClean="0"/>
-              <a:t>26.12.2022</a:t>
+              <a:t>31.12.2022</a:t>
             </a:fld>
             <a:endParaRPr lang="ru-RU"/>
           </a:p>
@@ -5029,7 +5029,7 @@
           <a:p>
             <a:fld id="{81F17337-3FE8-4407-8086-5C0D65328D1B}" type="datetimeFigureOut">
               <a:rPr lang="ru-RU" smtClean="0"/>
-              <a:t>26.12.2022</a:t>
+              <a:t>31.12.2022</a:t>
             </a:fld>
             <a:endParaRPr lang="ru-RU"/>
           </a:p>
@@ -5863,7 +5863,7 @@
           <a:p>
             <a:fld id="{81F17337-3FE8-4407-8086-5C0D65328D1B}" type="datetimeFigureOut">
               <a:rPr lang="ru-RU" smtClean="0"/>
-              <a:t>26.12.2022</a:t>
+              <a:t>31.12.2022</a:t>
             </a:fld>
             <a:endParaRPr lang="ru-RU"/>
           </a:p>
@@ -6363,6 +6363,26 @@
               <a:rPr lang="ru-RU" dirty="0" smtClean="0"/>
               <a:t>Валерий Петрунин</a:t>
             </a:r>
+            <a:endParaRPr lang="en-US" dirty="0" smtClean="0"/>
+          </a:p>
+          <a:p>
+            <a:pPr marL="0" lvl="0" indent="0" algn="ctr" rtl="0">
+              <a:spcBef>
+                <a:spcPts val="0"/>
+              </a:spcBef>
+              <a:spcAft>
+                <a:spcPts val="0"/>
+              </a:spcAft>
+              <a:buNone/>
+            </a:pPr>
+            <a:r>
+              <a:rPr lang="en-US" dirty="0" smtClean="0"/>
+              <a:t>27 </a:t>
+            </a:r>
+            <a:r>
+              <a:rPr lang="ru-RU" dirty="0" smtClean="0"/>
+              <a:t>декабря 2022 г.</a:t>
+            </a:r>
             <a:endParaRPr dirty="0"/>
           </a:p>
         </p:txBody>
@@ -6442,14 +6462,26 @@
               <a:t>. </a:t>
             </a:r>
             <a:r>
-              <a:rPr lang="ru-RU" sz="2400" b="1" dirty="0" smtClean="0">
+              <a:rPr lang="ru-RU" sz="2800" b="1" dirty="0" smtClean="0">
                 <a:latin typeface="Open Sans"/>
                 <a:ea typeface="Open Sans"/>
                 <a:cs typeface="Open Sans"/>
               </a:rPr>
-              <a:t>Выводы</a:t>
-            </a:r>
-            <a:endParaRPr sz="2400" i="1" dirty="0"/>
+              <a:t>Результаты </a:t>
+            </a:r>
+            <a:r>
+              <a:rPr lang="ru-RU" sz="2800" b="1" dirty="0">
+                <a:latin typeface="Open Sans"/>
+                <a:ea typeface="Open Sans"/>
+                <a:cs typeface="Open Sans"/>
+              </a:rPr>
+              <a:t>и выводы.</a:t>
+            </a:r>
+            <a:endParaRPr sz="2800" b="1" dirty="0">
+              <a:latin typeface="Open Sans"/>
+              <a:ea typeface="Open Sans"/>
+              <a:cs typeface="Open Sans"/>
+            </a:endParaRPr>
           </a:p>
         </p:txBody>
       </p:sp>
@@ -6480,17 +6512,108 @@
           <a:p>
             <a:pPr lvl="0"/>
             <a:r>
-              <a:rPr lang="ru-RU" sz="2000" dirty="0" smtClean="0"/>
+              <a:rPr lang="ru-RU" sz="1600" dirty="0" smtClean="0"/>
               <a:t>Была получена таблица </a:t>
             </a:r>
             <a:r>
-              <a:rPr lang="ru-RU" sz="2000" dirty="0"/>
+              <a:rPr lang="ru-RU" sz="1600" dirty="0"/>
               <a:t>поездок для каждого дня рассчитать процент поездок по количеству человек в </a:t>
             </a:r>
             <a:r>
-              <a:rPr lang="ru-RU" sz="2000" dirty="0" smtClean="0"/>
-              <a:t>машине.</a:t>
-            </a:r>
+              <a:rPr lang="ru-RU" sz="1600" dirty="0" smtClean="0"/>
+              <a:t>машине</a:t>
+            </a:r>
+            <a:r>
+              <a:rPr lang="ru-RU" sz="1600" dirty="0" smtClean="0"/>
+              <a:t>.</a:t>
+            </a:r>
+            <a:endParaRPr lang="ru-RU" sz="1600" dirty="0"/>
+          </a:p>
+          <a:p>
+            <a:pPr lvl="0"/>
+            <a:r>
+              <a:rPr lang="ru-RU" sz="1600" dirty="0" smtClean="0"/>
+              <a:t>Добавлены столбцы </a:t>
+            </a:r>
+            <a:r>
+              <a:rPr lang="ru-RU" sz="1600" dirty="0"/>
+              <a:t>с самой дорогой и самой дешевой поездкой для каждой </a:t>
+            </a:r>
+            <a:r>
+              <a:rPr lang="ru-RU" sz="1600" dirty="0" smtClean="0"/>
+              <a:t>группы</a:t>
+            </a:r>
+            <a:r>
+              <a:rPr lang="en-US" sz="1600" dirty="0" smtClean="0"/>
+              <a:t>;</a:t>
+            </a:r>
+            <a:r>
+              <a:rPr lang="ru-RU" sz="1600" dirty="0"/>
+              <a:t> </a:t>
+            </a:r>
+            <a:r>
+              <a:rPr lang="ru-RU" sz="1600" dirty="0" smtClean="0"/>
+              <a:t>Наибольшее </a:t>
+            </a:r>
+            <a:r>
+              <a:rPr lang="ru-RU" sz="1600" dirty="0" smtClean="0"/>
+              <a:t>количество поездок с одним пассажиром</a:t>
+            </a:r>
+            <a:r>
+              <a:rPr lang="ru-RU" sz="1600" dirty="0" smtClean="0"/>
+              <a:t>.</a:t>
+            </a:r>
+          </a:p>
+          <a:p>
+            <a:pPr lvl="0"/>
+            <a:endParaRPr lang="ru-RU" sz="1600" dirty="0"/>
+          </a:p>
+          <a:p>
+            <a:pPr lvl="0"/>
+            <a:r>
+              <a:rPr lang="ru-RU" sz="1600" dirty="0"/>
+              <a:t>Ч</a:t>
+            </a:r>
+            <a:r>
+              <a:rPr lang="ru-RU" sz="1600" dirty="0" smtClean="0"/>
+              <a:t>ем </a:t>
+            </a:r>
+            <a:r>
+              <a:rPr lang="ru-RU" sz="1600" dirty="0"/>
+              <a:t>больше дистанция поездки, тем меньше чаевые. </a:t>
+            </a:r>
+            <a:endParaRPr lang="ru-RU" sz="1600" dirty="0" smtClean="0"/>
+          </a:p>
+          <a:p>
+            <a:pPr lvl="0"/>
+            <a:r>
+              <a:rPr lang="ru-RU" sz="1600" dirty="0"/>
+              <a:t>Ч</a:t>
+            </a:r>
+            <a:r>
+              <a:rPr lang="ru-RU" sz="1600" dirty="0" smtClean="0"/>
+              <a:t>ем </a:t>
+            </a:r>
+            <a:r>
+              <a:rPr lang="ru-RU" sz="1600" dirty="0"/>
+              <a:t>больше пассажиров, тем меньше чаевых они оставляли. </a:t>
+            </a:r>
+            <a:r>
+              <a:rPr lang="ru-RU" sz="1600" dirty="0"/>
+              <a:t>Больше всего оставляет один человек.</a:t>
+            </a:r>
+          </a:p>
+          <a:p>
+            <a:pPr lvl="0"/>
+            <a:endParaRPr lang="en-US" sz="2000" dirty="0" smtClean="0"/>
+          </a:p>
+          <a:p>
+            <a:pPr lvl="0"/>
+            <a:endParaRPr lang="en-US" sz="2000" dirty="0"/>
+          </a:p>
+          <a:p>
+            <a:pPr lvl="0"/>
+            <a:endParaRPr lang="ru-RU" sz="2000" dirty="0" smtClean="0"/>
           </a:p>
           <a:p>
             <a:pPr lvl="0"/>
@@ -6500,56 +6623,72 @@
             <a:pPr lvl="0"/>
             <a:r>
               <a:rPr lang="ru-RU" sz="2000" dirty="0" smtClean="0"/>
-              <a:t>Добавлены столбцы </a:t>
-            </a:r>
-            <a:r>
-              <a:rPr lang="ru-RU" sz="2000" dirty="0"/>
-              <a:t>с самой дорогой и самой дешевой поездкой для каждой </a:t>
-            </a:r>
-            <a:r>
-              <a:rPr lang="ru-RU" sz="2000" dirty="0" smtClean="0"/>
-              <a:t>группы</a:t>
-            </a:r>
-            <a:r>
-              <a:rPr lang="en-US" sz="2000" dirty="0" smtClean="0"/>
-              <a:t>;</a:t>
-            </a:r>
-            <a:endParaRPr lang="ru-RU" sz="2000" dirty="0" smtClean="0"/>
-          </a:p>
-          <a:p>
-            <a:pPr lvl="0"/>
-            <a:endParaRPr lang="ru-RU" sz="2000" dirty="0"/>
-          </a:p>
-          <a:p>
-            <a:pPr lvl="0"/>
-            <a:r>
-              <a:rPr lang="ru-RU" sz="2000" dirty="0" smtClean="0"/>
-              <a:t>Наибольшее количество поездок с одним пассажиром.</a:t>
+              <a:t> </a:t>
             </a:r>
             <a:endParaRPr lang="en-US" sz="2000" dirty="0" smtClean="0"/>
           </a:p>
-          <a:p>
-            <a:pPr lvl="0"/>
-            <a:endParaRPr lang="en-US" sz="2000" dirty="0"/>
-          </a:p>
-          <a:p>
-            <a:pPr lvl="0"/>
-            <a:endParaRPr lang="ru-RU" sz="2000" dirty="0" smtClean="0"/>
-          </a:p>
-          <a:p>
-            <a:pPr lvl="0"/>
-            <a:endParaRPr lang="ru-RU" sz="2000" dirty="0"/>
-          </a:p>
-          <a:p>
-            <a:pPr lvl="0"/>
-            <a:r>
-              <a:rPr lang="ru-RU" sz="2000" dirty="0" smtClean="0"/>
-              <a:t> </a:t>
-            </a:r>
-            <a:endParaRPr lang="en-US" sz="2000" dirty="0" smtClean="0"/>
-          </a:p>
-        </p:txBody>
-      </p:sp>
+        </p:txBody>
+      </p:sp>
+      <p:pic>
+        <p:nvPicPr>
+          <p:cNvPr id="2" name="Рисунок 1"/>
+          <p:cNvPicPr>
+            <a:picLocks noChangeAspect="1"/>
+          </p:cNvPicPr>
+          <p:nvPr/>
+        </p:nvPicPr>
+        <p:blipFill>
+          <a:blip r:embed="rId3">
+            <a:extLst>
+              <a:ext uri="{28A0092B-C50C-407E-A947-70E740481C1C}">
+                <a14:useLocalDpi xmlns:a14="http://schemas.microsoft.com/office/drawing/2010/main" val="0"/>
+              </a:ext>
+            </a:extLst>
+          </a:blip>
+          <a:stretch>
+            <a:fillRect/>
+          </a:stretch>
+        </p:blipFill>
+        <p:spPr>
+          <a:xfrm>
+            <a:off x="1187244" y="3061393"/>
+            <a:ext cx="2314027" cy="1735520"/>
+          </a:xfrm>
+          <a:prstGeom prst="rect">
+            <a:avLst/>
+          </a:prstGeom>
+        </p:spPr>
+      </p:pic>
+      <p:pic>
+        <p:nvPicPr>
+          <p:cNvPr id="3" name="Рисунок 2"/>
+          <p:cNvPicPr>
+            <a:picLocks noChangeAspect="1"/>
+          </p:cNvPicPr>
+          <p:nvPr/>
+        </p:nvPicPr>
+        <p:blipFill>
+          <a:blip r:embed="rId4">
+            <a:extLst>
+              <a:ext uri="{28A0092B-C50C-407E-A947-70E740481C1C}">
+                <a14:useLocalDpi xmlns:a14="http://schemas.microsoft.com/office/drawing/2010/main" val="0"/>
+              </a:ext>
+            </a:extLst>
+          </a:blip>
+          <a:stretch>
+            <a:fillRect/>
+          </a:stretch>
+        </p:blipFill>
+        <p:spPr>
+          <a:xfrm>
+            <a:off x="5073445" y="3110066"/>
+            <a:ext cx="2116393" cy="1587295"/>
+          </a:xfrm>
+          <a:prstGeom prst="rect">
+            <a:avLst/>
+          </a:prstGeom>
+        </p:spPr>
+      </p:pic>
     </p:spTree>
     <p:extLst>
       <p:ext uri="{BB962C8B-B14F-4D97-AF65-F5344CB8AC3E}">
@@ -6811,13 +6950,22 @@
               <a:buAutoNum type="arabicPeriod"/>
             </a:pPr>
             <a:r>
+              <a:rPr lang="ru-RU" sz="1900" b="1" dirty="0" smtClean="0">
+                <a:latin typeface="Open Sans"/>
+                <a:ea typeface="Open Sans"/>
+                <a:cs typeface="Open Sans"/>
+                <a:sym typeface="Open Sans"/>
+              </a:rPr>
+              <a:t>Результаты и выводы</a:t>
+            </a:r>
+            <a:r>
               <a:rPr lang="ru-RU" sz="1900" b="1" dirty="0">
                 <a:latin typeface="Open Sans"/>
                 <a:ea typeface="Open Sans"/>
                 <a:cs typeface="Open Sans"/>
                 <a:sym typeface="Open Sans"/>
               </a:rPr>
-              <a:t>Выводы.</a:t>
+              <a:t>.</a:t>
             </a:r>
           </a:p>
         </p:txBody>
@@ -7512,11 +7660,23 @@
             </a:r>
             <a:r>
               <a:rPr lang="ru-RU" sz="2000" dirty="0" err="1"/>
-              <a:t>sql,scala</a:t>
+              <a:t>sql</a:t>
+            </a:r>
+            <a:r>
+              <a:rPr lang="ru-RU" sz="2000" dirty="0" smtClean="0"/>
+              <a:t>, </a:t>
+            </a:r>
+            <a:r>
+              <a:rPr lang="ru-RU" sz="2000" dirty="0" err="1" smtClean="0"/>
+              <a:t>scala</a:t>
+            </a:r>
+            <a:r>
+              <a:rPr lang="ru-RU" sz="2000" dirty="0" smtClean="0"/>
+              <a:t> </a:t>
             </a:r>
             <a:r>
               <a:rPr lang="ru-RU" sz="2000" dirty="0"/>
-              <a:t> (что-то одно</a:t>
+              <a:t>(что-то одно</a:t>
             </a:r>
             <a:r>
               <a:rPr lang="ru-RU" sz="2000" dirty="0" smtClean="0"/>
@@ -9998,8 +10158,26 @@
             </a:r>
             <a:r>
               <a:rPr lang="ru-RU" sz="2000" dirty="0" smtClean="0"/>
-              <a:t>данных.</a:t>
-            </a:r>
+              <a:t>данных</a:t>
+            </a:r>
+            <a:r>
+              <a:rPr lang="ru-RU" sz="2000" dirty="0" smtClean="0"/>
+              <a:t>.</a:t>
+            </a:r>
+          </a:p>
+          <a:p>
+            <a:pPr marL="457200" indent="-457200">
+              <a:lnSpc>
+                <a:spcPct val="150000"/>
+              </a:lnSpc>
+              <a:buFont typeface="Arial"/>
+              <a:buAutoNum type="arabicPeriod"/>
+            </a:pPr>
+            <a:r>
+              <a:rPr lang="ru-RU" sz="2000" dirty="0" smtClean="0"/>
+              <a:t>Вывод графиков.</a:t>
+            </a:r>
+            <a:endParaRPr lang="ru-RU" sz="2000" dirty="0" smtClean="0"/>
           </a:p>
           <a:p>
             <a:pPr marL="457200" indent="-457200">
@@ -10198,19 +10376,7 @@
             </a:r>
             <a:r>
               <a:rPr lang="ru-RU" sz="2000" dirty="0"/>
-              <a:t>Поэтому данный проект я выполнил на </a:t>
-            </a:r>
-            <a:r>
-              <a:rPr lang="ru-RU" sz="2000" dirty="0"/>
-              <a:t> </a:t>
-            </a:r>
-            <a:r>
-              <a:rPr lang="ru-RU" sz="2000" dirty="0"/>
-              <a:t>языке</a:t>
-            </a:r>
-            <a:r>
-              <a:rPr lang="ru-RU" sz="2000" dirty="0"/>
-              <a:t> </a:t>
+              <a:t>Поэтому данный проект я выполнил на  языке </a:t>
             </a:r>
             <a:r>
               <a:rPr lang="en-US" sz="2000" dirty="0"/>
@@ -10448,7 +10614,6 @@
               <a:rPr lang="en-US" dirty="0"/>
               <a:t>.</a:t>
             </a:r>
-            <a:endParaRPr lang="en-US" dirty="0"/>
           </a:p>
           <a:p>
             <a:r>
